--- a/Uke 49/Uke 49.pptx
+++ b/Uke 49/Uke 49.pptx
@@ -498,7 +498,7 @@
   <pc:docChgLst>
     <pc:chgData name="Aizan Magomadova" userId="b3d38ecc-02a7-4810-ad44-0e9f513517c5" providerId="ADAL" clId="{B06EC2C0-F844-4BD3-9464-BEF289FD019C}"/>
     <pc:docChg chg="undo custSel addSld delSld modSld">
-      <pc:chgData name="Aizan Magomadova" userId="b3d38ecc-02a7-4810-ad44-0e9f513517c5" providerId="ADAL" clId="{B06EC2C0-F844-4BD3-9464-BEF289FD019C}" dt="2019-12-04T13:10:07.589" v="222" actId="20577"/>
+      <pc:chgData name="Aizan Magomadova" userId="b3d38ecc-02a7-4810-ad44-0e9f513517c5" providerId="ADAL" clId="{B06EC2C0-F844-4BD3-9464-BEF289FD019C}" dt="2019-12-04T20:37:45.407" v="226" actId="1038"/>
       <pc:docMkLst>
         <pc:docMk/>
       </pc:docMkLst>
@@ -514,6 +514,29 @@
             <pc:docMk/>
             <pc:sldMk cId="753736452" sldId="256"/>
             <ac:spMk id="3" creationId="{90D9F789-8ACA-4076-BC0B-C88FD0B387B0}"/>
+          </ac:spMkLst>
+        </pc:spChg>
+      </pc:sldChg>
+      <pc:sldChg chg="modSp">
+        <pc:chgData name="Aizan Magomadova" userId="b3d38ecc-02a7-4810-ad44-0e9f513517c5" providerId="ADAL" clId="{B06EC2C0-F844-4BD3-9464-BEF289FD019C}" dt="2019-12-04T20:37:45.407" v="226" actId="1038"/>
+        <pc:sldMkLst>
+          <pc:docMk/>
+          <pc:sldMk cId="3763408081" sldId="258"/>
+        </pc:sldMkLst>
+        <pc:spChg chg="mod">
+          <ac:chgData name="Aizan Magomadova" userId="b3d38ecc-02a7-4810-ad44-0e9f513517c5" providerId="ADAL" clId="{B06EC2C0-F844-4BD3-9464-BEF289FD019C}" dt="2019-12-04T20:37:45.407" v="226" actId="1038"/>
+          <ac:spMkLst>
+            <pc:docMk/>
+            <pc:sldMk cId="3763408081" sldId="258"/>
+            <ac:spMk id="2" creationId="{53DDEA2D-2B97-4E00-94EA-363D5D6FC1E2}"/>
+          </ac:spMkLst>
+        </pc:spChg>
+        <pc:spChg chg="mod">
+          <ac:chgData name="Aizan Magomadova" userId="b3d38ecc-02a7-4810-ad44-0e9f513517c5" providerId="ADAL" clId="{B06EC2C0-F844-4BD3-9464-BEF289FD019C}" dt="2019-12-04T20:37:37.289" v="225" actId="5793"/>
+          <ac:spMkLst>
+            <pc:docMk/>
+            <pc:sldMk cId="3763408081" sldId="258"/>
+            <ac:spMk id="3" creationId="{DC325F3D-CA29-47EB-B819-8B9A568B4BA6}"/>
           </ac:spMkLst>
         </pc:spChg>
       </pc:sldChg>
@@ -7617,7 +7640,7 @@
         </p:nvSpPr>
         <p:spPr>
           <a:xfrm>
-            <a:off x="838200" y="963877"/>
+            <a:off x="852268" y="963877"/>
             <a:ext cx="3494362" cy="4930246"/>
           </a:xfrm>
         </p:spPr>
@@ -7629,7 +7652,7 @@
           <a:p>
             <a:pPr algn="r"/>
             <a:r>
-              <a:rPr lang="nb-NO">
+              <a:rPr lang="nb-NO" dirty="0">
                 <a:solidFill>
                   <a:schemeClr val="accent1"/>
                 </a:solidFill>
@@ -7728,74 +7751,15 @@
             </a:r>
           </a:p>
           <a:p>
+            <a:pPr marL="0" indent="0">
+              <a:buNone/>
+            </a:pPr>
+            <a:endParaRPr lang="nb-NO" sz="2400" dirty="0"/>
+          </a:p>
+          <a:p>
             <a:r>
               <a:rPr lang="nb-NO" sz="2400" dirty="0"/>
               <a:t>Vi kan la hendelsene bestemme når ulike funksjoner skal kjøres</a:t>
-            </a:r>
-          </a:p>
-          <a:p>
-            <a:r>
-              <a:rPr lang="nb-NO" sz="2400" dirty="0"/>
-              <a:t>Metoden </a:t>
-            </a:r>
-            <a:r>
-              <a:rPr lang="nb-NO" sz="2400" i="1" dirty="0" err="1"/>
-              <a:t>addEventListener</a:t>
-            </a:r>
-            <a:r>
-              <a:rPr lang="nb-NO" sz="2400" dirty="0"/>
-              <a:t>() lar oss lytte etter hendelser på et angitt element:</a:t>
-            </a:r>
-          </a:p>
-          <a:p>
-            <a:pPr marL="457200" lvl="1" indent="0">
-              <a:buNone/>
-            </a:pPr>
-            <a:r>
-              <a:rPr lang="nb-NO" dirty="0"/>
-              <a:t>element.</a:t>
-            </a:r>
-            <a:r>
-              <a:rPr lang="nb-NO" i="1" dirty="0"/>
-              <a:t> </a:t>
-            </a:r>
-            <a:r>
-              <a:rPr lang="nb-NO" i="1" dirty="0" err="1"/>
-              <a:t>addEventListener</a:t>
-            </a:r>
-            <a:r>
-              <a:rPr lang="nb-NO" dirty="0"/>
-              <a:t>(«</a:t>
-            </a:r>
-            <a:r>
-              <a:rPr lang="nb-NO" dirty="0" err="1"/>
-              <a:t>click</a:t>
-            </a:r>
-            <a:r>
-              <a:rPr lang="nb-NO" dirty="0"/>
-              <a:t>», </a:t>
-            </a:r>
-            <a:r>
-              <a:rPr lang="nb-NO" dirty="0" err="1"/>
-              <a:t>minFunksjon</a:t>
-            </a:r>
-            <a:r>
-              <a:rPr lang="nb-NO" dirty="0"/>
-              <a:t>);</a:t>
-            </a:r>
-          </a:p>
-          <a:p>
-            <a:r>
-              <a:rPr lang="nb-NO" sz="2400" dirty="0"/>
-              <a:t>Metoden </a:t>
-            </a:r>
-            <a:r>
-              <a:rPr lang="nb-NO" sz="2400" i="1" dirty="0" err="1"/>
-              <a:t>removeEventListener</a:t>
-            </a:r>
-            <a:r>
-              <a:rPr lang="nb-NO" sz="2400" dirty="0"/>
-              <a:t>() lar oss fjerne lyttere.</a:t>
             </a:r>
           </a:p>
           <a:p>
@@ -11110,18 +11074,18 @@
 </file>
 
 <file path=customXml/item2.xml><?xml version="1.0" encoding="utf-8"?>
-<p:properties xmlns:p="http://schemas.microsoft.com/office/2006/metadata/properties" xmlns:xsi="http://www.w3.org/2001/XMLSchema-instance" xmlns:pc="http://schemas.microsoft.com/office/infopath/2007/PartnerControls">
-  <documentManagement/>
-</p:properties>
-</file>
-
-<file path=customXml/item3.xml><?xml version="1.0" encoding="utf-8"?>
 <?mso-contentType ?>
 <FormTemplates xmlns="http://schemas.microsoft.com/sharepoint/v3/contenttype/forms">
   <Display>DocumentLibraryForm</Display>
   <Edit>DocumentLibraryForm</Edit>
   <New>DocumentLibraryForm</New>
 </FormTemplates>
+</file>
+
+<file path=customXml/item3.xml><?xml version="1.0" encoding="utf-8"?>
+<p:properties xmlns:p="http://schemas.microsoft.com/office/2006/metadata/properties" xmlns:xsi="http://www.w3.org/2001/XMLSchema-instance" xmlns:pc="http://schemas.microsoft.com/office/infopath/2007/PartnerControls">
+  <documentManagement/>
+</p:properties>
 </file>
 
 <file path=customXml/itemProps1.xml><?xml version="1.0" encoding="utf-8"?>
@@ -11143,18 +11107,18 @@
 </file>
 
 <file path=customXml/itemProps2.xml><?xml version="1.0" encoding="utf-8"?>
+<ds:datastoreItem xmlns:ds="http://schemas.openxmlformats.org/officeDocument/2006/customXml" ds:itemID="{C4C86F04-1D37-4A84-ACE4-00002CCCA9E9}">
+  <ds:schemaRefs>
+    <ds:schemaRef ds:uri="http://schemas.microsoft.com/sharepoint/v3/contenttype/forms"/>
+  </ds:schemaRefs>
+</ds:datastoreItem>
+</file>
+
+<file path=customXml/itemProps3.xml><?xml version="1.0" encoding="utf-8"?>
 <ds:datastoreItem xmlns:ds="http://schemas.openxmlformats.org/officeDocument/2006/customXml" ds:itemID="{568CB609-A961-4C7C-B32E-FA42EE17CFC2}">
   <ds:schemaRefs>
     <ds:schemaRef ds:uri="http://schemas.microsoft.com/office/2006/metadata/properties"/>
     <ds:schemaRef ds:uri="http://schemas.microsoft.com/office/infopath/2007/PartnerControls"/>
   </ds:schemaRefs>
 </ds:datastoreItem>
-</file>
-
-<file path=customXml/itemProps3.xml><?xml version="1.0" encoding="utf-8"?>
-<ds:datastoreItem xmlns:ds="http://schemas.openxmlformats.org/officeDocument/2006/customXml" ds:itemID="{C4C86F04-1D37-4A84-ACE4-00002CCCA9E9}">
-  <ds:schemaRefs>
-    <ds:schemaRef ds:uri="http://schemas.microsoft.com/sharepoint/v3/contenttype/forms"/>
-  </ds:schemaRefs>
-</ds:datastoreItem>
 </file>